--- a/ppt 16-9/1473.主爱无可比.pptx
+++ b/ppt 16-9/1473.主爱无可比.pptx
@@ -129,7 +129,7 @@
           <p:cNvPr id="2" name="标题 1">
             <a:extLst>
               <a:ext uri="{FF2B5EF4-FFF2-40B4-BE49-F238E27FC236}">
-                <a16:creationId xmlns:a16="http://schemas.microsoft.com/office/drawing/2014/main" id="{CDF3DC01-25D0-0A54-C5C7-7D4EB01E69B0}"/>
+                <a16:creationId xmlns:a16="http://schemas.microsoft.com/office/drawing/2014/main" id="{343F6FA2-6809-B808-A771-D5DDF500D0F7}"/>
               </a:ext>
             </a:extLst>
           </p:cNvPr>
@@ -166,7 +166,7 @@
           <p:cNvPr id="3" name="副标题 2">
             <a:extLst>
               <a:ext uri="{FF2B5EF4-FFF2-40B4-BE49-F238E27FC236}">
-                <a16:creationId xmlns:a16="http://schemas.microsoft.com/office/drawing/2014/main" id="{3FBDB97B-AD20-121B-6AD0-59291740D9A4}"/>
+                <a16:creationId xmlns:a16="http://schemas.microsoft.com/office/drawing/2014/main" id="{E12486B1-7E10-CAD2-4A5D-4E21333E16AE}"/>
               </a:ext>
             </a:extLst>
           </p:cNvPr>
@@ -236,7 +236,7 @@
           <p:cNvPr id="4" name="日期占位符 3">
             <a:extLst>
               <a:ext uri="{FF2B5EF4-FFF2-40B4-BE49-F238E27FC236}">
-                <a16:creationId xmlns:a16="http://schemas.microsoft.com/office/drawing/2014/main" id="{17E7422A-AFC1-2C07-68EF-D632A9704E85}"/>
+                <a16:creationId xmlns:a16="http://schemas.microsoft.com/office/drawing/2014/main" id="{9FEA6DB8-E433-F934-5993-77FB71E92E61}"/>
               </a:ext>
             </a:extLst>
           </p:cNvPr>
@@ -252,7 +252,7 @@
           <a:bodyPr/>
           <a:lstStyle/>
           <a:p>
-            <a:fld id="{C59BFB4C-3FD2-4DD7-9279-5E7990859532}" type="datetimeFigureOut">
+            <a:fld id="{BB3A9DB8-2F03-450B-8C95-DFD842FA8941}" type="datetimeFigureOut">
               <a:rPr lang="zh-CN" altLang="en-US" smtClean="0"/>
               <a:t>2024/3/10</a:t>
             </a:fld>
@@ -265,7 +265,7 @@
           <p:cNvPr id="5" name="页脚占位符 4">
             <a:extLst>
               <a:ext uri="{FF2B5EF4-FFF2-40B4-BE49-F238E27FC236}">
-                <a16:creationId xmlns:a16="http://schemas.microsoft.com/office/drawing/2014/main" id="{455CAB5F-C0F1-8D13-06C6-926823D270C3}"/>
+                <a16:creationId xmlns:a16="http://schemas.microsoft.com/office/drawing/2014/main" id="{815F3924-D38E-5233-3B5C-DEFABA5A33CD}"/>
               </a:ext>
             </a:extLst>
           </p:cNvPr>
@@ -290,7 +290,7 @@
           <p:cNvPr id="6" name="灯片编号占位符 5">
             <a:extLst>
               <a:ext uri="{FF2B5EF4-FFF2-40B4-BE49-F238E27FC236}">
-                <a16:creationId xmlns:a16="http://schemas.microsoft.com/office/drawing/2014/main" id="{E548D6D9-1BEF-2549-9530-8B3C9153D8B0}"/>
+                <a16:creationId xmlns:a16="http://schemas.microsoft.com/office/drawing/2014/main" id="{C76C6C35-DFF8-D3CE-2758-93C5EE562726}"/>
               </a:ext>
             </a:extLst>
           </p:cNvPr>
@@ -306,7 +306,7 @@
           <a:bodyPr/>
           <a:lstStyle/>
           <a:p>
-            <a:fld id="{357E6F6D-EFCB-40AE-A4EC-845594BEA49A}" type="slidenum">
+            <a:fld id="{716E598E-27C4-435D-A21C-375AEA1606EC}" type="slidenum">
               <a:rPr lang="zh-CN" altLang="en-US" smtClean="0"/>
               <a:t>‹#›</a:t>
             </a:fld>
@@ -317,7 +317,7 @@
     </p:spTree>
     <p:extLst>
       <p:ext uri="{BB962C8B-B14F-4D97-AF65-F5344CB8AC3E}">
-        <p14:creationId xmlns:p14="http://schemas.microsoft.com/office/powerpoint/2010/main" val="641028800"/>
+        <p14:creationId xmlns:p14="http://schemas.microsoft.com/office/powerpoint/2010/main" val="955416565"/>
       </p:ext>
     </p:extLst>
   </p:cSld>
@@ -349,7 +349,7 @@
           <p:cNvPr id="2" name="标题 1">
             <a:extLst>
               <a:ext uri="{FF2B5EF4-FFF2-40B4-BE49-F238E27FC236}">
-                <a16:creationId xmlns:a16="http://schemas.microsoft.com/office/drawing/2014/main" id="{F0616182-0748-3FBE-C1F7-8356D8E7583F}"/>
+                <a16:creationId xmlns:a16="http://schemas.microsoft.com/office/drawing/2014/main" id="{3094ACD0-A59B-50A8-6A1D-0D8A76C45563}"/>
               </a:ext>
             </a:extLst>
           </p:cNvPr>
@@ -377,7 +377,7 @@
           <p:cNvPr id="3" name="竖排文字占位符 2">
             <a:extLst>
               <a:ext uri="{FF2B5EF4-FFF2-40B4-BE49-F238E27FC236}">
-                <a16:creationId xmlns:a16="http://schemas.microsoft.com/office/drawing/2014/main" id="{781E70DA-C898-165A-8264-F7ED3CC9F1FD}"/>
+                <a16:creationId xmlns:a16="http://schemas.microsoft.com/office/drawing/2014/main" id="{F6CB869C-C53F-1982-D6AE-0A91ECD14C2C}"/>
               </a:ext>
             </a:extLst>
           </p:cNvPr>
@@ -434,7 +434,7 @@
           <p:cNvPr id="4" name="日期占位符 3">
             <a:extLst>
               <a:ext uri="{FF2B5EF4-FFF2-40B4-BE49-F238E27FC236}">
-                <a16:creationId xmlns:a16="http://schemas.microsoft.com/office/drawing/2014/main" id="{728F3357-23F5-8806-7F49-186D46DA88D1}"/>
+                <a16:creationId xmlns:a16="http://schemas.microsoft.com/office/drawing/2014/main" id="{38BDA1D5-0C5F-EBBB-53B2-881F6FE3666D}"/>
               </a:ext>
             </a:extLst>
           </p:cNvPr>
@@ -450,7 +450,7 @@
           <a:bodyPr/>
           <a:lstStyle/>
           <a:p>
-            <a:fld id="{C59BFB4C-3FD2-4DD7-9279-5E7990859532}" type="datetimeFigureOut">
+            <a:fld id="{BB3A9DB8-2F03-450B-8C95-DFD842FA8941}" type="datetimeFigureOut">
               <a:rPr lang="zh-CN" altLang="en-US" smtClean="0"/>
               <a:t>2024/3/10</a:t>
             </a:fld>
@@ -463,7 +463,7 @@
           <p:cNvPr id="5" name="页脚占位符 4">
             <a:extLst>
               <a:ext uri="{FF2B5EF4-FFF2-40B4-BE49-F238E27FC236}">
-                <a16:creationId xmlns:a16="http://schemas.microsoft.com/office/drawing/2014/main" id="{DD0D9C25-1AB7-E009-161F-C373C97746A3}"/>
+                <a16:creationId xmlns:a16="http://schemas.microsoft.com/office/drawing/2014/main" id="{DDF2FAD6-A8C4-BF3A-400B-66CF787BDD4C}"/>
               </a:ext>
             </a:extLst>
           </p:cNvPr>
@@ -488,7 +488,7 @@
           <p:cNvPr id="6" name="灯片编号占位符 5">
             <a:extLst>
               <a:ext uri="{FF2B5EF4-FFF2-40B4-BE49-F238E27FC236}">
-                <a16:creationId xmlns:a16="http://schemas.microsoft.com/office/drawing/2014/main" id="{7C719F8D-44AE-02A6-CB86-A16A18A1779C}"/>
+                <a16:creationId xmlns:a16="http://schemas.microsoft.com/office/drawing/2014/main" id="{1472642B-A276-15EF-4B9D-B95CCCC01440}"/>
               </a:ext>
             </a:extLst>
           </p:cNvPr>
@@ -504,7 +504,7 @@
           <a:bodyPr/>
           <a:lstStyle/>
           <a:p>
-            <a:fld id="{357E6F6D-EFCB-40AE-A4EC-845594BEA49A}" type="slidenum">
+            <a:fld id="{716E598E-27C4-435D-A21C-375AEA1606EC}" type="slidenum">
               <a:rPr lang="zh-CN" altLang="en-US" smtClean="0"/>
               <a:t>‹#›</a:t>
             </a:fld>
@@ -515,7 +515,7 @@
     </p:spTree>
     <p:extLst>
       <p:ext uri="{BB962C8B-B14F-4D97-AF65-F5344CB8AC3E}">
-        <p14:creationId xmlns:p14="http://schemas.microsoft.com/office/powerpoint/2010/main" val="3799415327"/>
+        <p14:creationId xmlns:p14="http://schemas.microsoft.com/office/powerpoint/2010/main" val="3727870113"/>
       </p:ext>
     </p:extLst>
   </p:cSld>
@@ -547,7 +547,7 @@
           <p:cNvPr id="2" name="竖排标题 1">
             <a:extLst>
               <a:ext uri="{FF2B5EF4-FFF2-40B4-BE49-F238E27FC236}">
-                <a16:creationId xmlns:a16="http://schemas.microsoft.com/office/drawing/2014/main" id="{87AE6AFD-4831-643D-EF43-8789D340F921}"/>
+                <a16:creationId xmlns:a16="http://schemas.microsoft.com/office/drawing/2014/main" id="{BCD3181B-7B32-57D5-DEB5-3ADC0C2E8C33}"/>
               </a:ext>
             </a:extLst>
           </p:cNvPr>
@@ -580,7 +580,7 @@
           <p:cNvPr id="3" name="竖排文字占位符 2">
             <a:extLst>
               <a:ext uri="{FF2B5EF4-FFF2-40B4-BE49-F238E27FC236}">
-                <a16:creationId xmlns:a16="http://schemas.microsoft.com/office/drawing/2014/main" id="{B59C1168-F29D-E861-CBE5-BF5F4E77D941}"/>
+                <a16:creationId xmlns:a16="http://schemas.microsoft.com/office/drawing/2014/main" id="{0ED903EF-F374-96C9-A53B-769403EAC395}"/>
               </a:ext>
             </a:extLst>
           </p:cNvPr>
@@ -642,7 +642,7 @@
           <p:cNvPr id="4" name="日期占位符 3">
             <a:extLst>
               <a:ext uri="{FF2B5EF4-FFF2-40B4-BE49-F238E27FC236}">
-                <a16:creationId xmlns:a16="http://schemas.microsoft.com/office/drawing/2014/main" id="{DB390F13-41BA-C65E-DBF4-2823D5ABC56C}"/>
+                <a16:creationId xmlns:a16="http://schemas.microsoft.com/office/drawing/2014/main" id="{49EAABAD-330C-5EC1-7C88-FFCA8CBE6799}"/>
               </a:ext>
             </a:extLst>
           </p:cNvPr>
@@ -658,7 +658,7 @@
           <a:bodyPr/>
           <a:lstStyle/>
           <a:p>
-            <a:fld id="{C59BFB4C-3FD2-4DD7-9279-5E7990859532}" type="datetimeFigureOut">
+            <a:fld id="{BB3A9DB8-2F03-450B-8C95-DFD842FA8941}" type="datetimeFigureOut">
               <a:rPr lang="zh-CN" altLang="en-US" smtClean="0"/>
               <a:t>2024/3/10</a:t>
             </a:fld>
@@ -671,7 +671,7 @@
           <p:cNvPr id="5" name="页脚占位符 4">
             <a:extLst>
               <a:ext uri="{FF2B5EF4-FFF2-40B4-BE49-F238E27FC236}">
-                <a16:creationId xmlns:a16="http://schemas.microsoft.com/office/drawing/2014/main" id="{850AEF0E-713C-4A11-5C04-D689E9279F3B}"/>
+                <a16:creationId xmlns:a16="http://schemas.microsoft.com/office/drawing/2014/main" id="{B3C07956-2EE5-640E-9A15-7E63D3AFFDBE}"/>
               </a:ext>
             </a:extLst>
           </p:cNvPr>
@@ -696,7 +696,7 @@
           <p:cNvPr id="6" name="灯片编号占位符 5">
             <a:extLst>
               <a:ext uri="{FF2B5EF4-FFF2-40B4-BE49-F238E27FC236}">
-                <a16:creationId xmlns:a16="http://schemas.microsoft.com/office/drawing/2014/main" id="{D757339F-6869-CC22-B06E-D3A297A1784C}"/>
+                <a16:creationId xmlns:a16="http://schemas.microsoft.com/office/drawing/2014/main" id="{00B0BA70-EB32-7C9E-C9E7-81ABCA1E18C2}"/>
               </a:ext>
             </a:extLst>
           </p:cNvPr>
@@ -712,7 +712,7 @@
           <a:bodyPr/>
           <a:lstStyle/>
           <a:p>
-            <a:fld id="{357E6F6D-EFCB-40AE-A4EC-845594BEA49A}" type="slidenum">
+            <a:fld id="{716E598E-27C4-435D-A21C-375AEA1606EC}" type="slidenum">
               <a:rPr lang="zh-CN" altLang="en-US" smtClean="0"/>
               <a:t>‹#›</a:t>
             </a:fld>
@@ -723,7 +723,7 @@
     </p:spTree>
     <p:extLst>
       <p:ext uri="{BB962C8B-B14F-4D97-AF65-F5344CB8AC3E}">
-        <p14:creationId xmlns:p14="http://schemas.microsoft.com/office/powerpoint/2010/main" val="1759919621"/>
+        <p14:creationId xmlns:p14="http://schemas.microsoft.com/office/powerpoint/2010/main" val="2608739199"/>
       </p:ext>
     </p:extLst>
   </p:cSld>
@@ -755,7 +755,7 @@
           <p:cNvPr id="2" name="标题 1">
             <a:extLst>
               <a:ext uri="{FF2B5EF4-FFF2-40B4-BE49-F238E27FC236}">
-                <a16:creationId xmlns:a16="http://schemas.microsoft.com/office/drawing/2014/main" id="{35720716-E12B-A7E4-FF12-39ACB5B79AB8}"/>
+                <a16:creationId xmlns:a16="http://schemas.microsoft.com/office/drawing/2014/main" id="{EB957443-86D2-AC76-2E29-9DD150E319AC}"/>
               </a:ext>
             </a:extLst>
           </p:cNvPr>
@@ -783,7 +783,7 @@
           <p:cNvPr id="3" name="内容占位符 2">
             <a:extLst>
               <a:ext uri="{FF2B5EF4-FFF2-40B4-BE49-F238E27FC236}">
-                <a16:creationId xmlns:a16="http://schemas.microsoft.com/office/drawing/2014/main" id="{01D1E064-ADF9-E2E3-D758-2C39CAD6701C}"/>
+                <a16:creationId xmlns:a16="http://schemas.microsoft.com/office/drawing/2014/main" id="{55886FE6-4421-E6BA-4776-E7B5537D72C6}"/>
               </a:ext>
             </a:extLst>
           </p:cNvPr>
@@ -840,7 +840,7 @@
           <p:cNvPr id="4" name="日期占位符 3">
             <a:extLst>
               <a:ext uri="{FF2B5EF4-FFF2-40B4-BE49-F238E27FC236}">
-                <a16:creationId xmlns:a16="http://schemas.microsoft.com/office/drawing/2014/main" id="{83356B73-FCEF-C007-C21F-B5EFB641B0CC}"/>
+                <a16:creationId xmlns:a16="http://schemas.microsoft.com/office/drawing/2014/main" id="{2A92B1FD-F7E2-6B5C-F99E-A8891EBCEE38}"/>
               </a:ext>
             </a:extLst>
           </p:cNvPr>
@@ -856,7 +856,7 @@
           <a:bodyPr/>
           <a:lstStyle/>
           <a:p>
-            <a:fld id="{C59BFB4C-3FD2-4DD7-9279-5E7990859532}" type="datetimeFigureOut">
+            <a:fld id="{BB3A9DB8-2F03-450B-8C95-DFD842FA8941}" type="datetimeFigureOut">
               <a:rPr lang="zh-CN" altLang="en-US" smtClean="0"/>
               <a:t>2024/3/10</a:t>
             </a:fld>
@@ -869,7 +869,7 @@
           <p:cNvPr id="5" name="页脚占位符 4">
             <a:extLst>
               <a:ext uri="{FF2B5EF4-FFF2-40B4-BE49-F238E27FC236}">
-                <a16:creationId xmlns:a16="http://schemas.microsoft.com/office/drawing/2014/main" id="{4ECAA365-1509-0481-3425-E66B8ADC3024}"/>
+                <a16:creationId xmlns:a16="http://schemas.microsoft.com/office/drawing/2014/main" id="{030B60CD-7797-D558-F659-24561CB71032}"/>
               </a:ext>
             </a:extLst>
           </p:cNvPr>
@@ -894,7 +894,7 @@
           <p:cNvPr id="6" name="灯片编号占位符 5">
             <a:extLst>
               <a:ext uri="{FF2B5EF4-FFF2-40B4-BE49-F238E27FC236}">
-                <a16:creationId xmlns:a16="http://schemas.microsoft.com/office/drawing/2014/main" id="{DB44B387-8D61-0C7F-0ECB-BB882F7A0397}"/>
+                <a16:creationId xmlns:a16="http://schemas.microsoft.com/office/drawing/2014/main" id="{FD00D3A5-C869-7800-B508-F989E7972EEF}"/>
               </a:ext>
             </a:extLst>
           </p:cNvPr>
@@ -910,7 +910,7 @@
           <a:bodyPr/>
           <a:lstStyle/>
           <a:p>
-            <a:fld id="{357E6F6D-EFCB-40AE-A4EC-845594BEA49A}" type="slidenum">
+            <a:fld id="{716E598E-27C4-435D-A21C-375AEA1606EC}" type="slidenum">
               <a:rPr lang="zh-CN" altLang="en-US" smtClean="0"/>
               <a:t>‹#›</a:t>
             </a:fld>
@@ -921,7 +921,7 @@
     </p:spTree>
     <p:extLst>
       <p:ext uri="{BB962C8B-B14F-4D97-AF65-F5344CB8AC3E}">
-        <p14:creationId xmlns:p14="http://schemas.microsoft.com/office/powerpoint/2010/main" val="756866334"/>
+        <p14:creationId xmlns:p14="http://schemas.microsoft.com/office/powerpoint/2010/main" val="1290338"/>
       </p:ext>
     </p:extLst>
   </p:cSld>
@@ -953,7 +953,7 @@
           <p:cNvPr id="2" name="标题 1">
             <a:extLst>
               <a:ext uri="{FF2B5EF4-FFF2-40B4-BE49-F238E27FC236}">
-                <a16:creationId xmlns:a16="http://schemas.microsoft.com/office/drawing/2014/main" id="{F95D9CB0-A43A-0FC0-84ED-10B7DA7D1543}"/>
+                <a16:creationId xmlns:a16="http://schemas.microsoft.com/office/drawing/2014/main" id="{CAF321AC-C13A-D331-3846-27A6912C2352}"/>
               </a:ext>
             </a:extLst>
           </p:cNvPr>
@@ -990,7 +990,7 @@
           <p:cNvPr id="3" name="文本占位符 2">
             <a:extLst>
               <a:ext uri="{FF2B5EF4-FFF2-40B4-BE49-F238E27FC236}">
-                <a16:creationId xmlns:a16="http://schemas.microsoft.com/office/drawing/2014/main" id="{4C17FFA9-B7B5-3FC5-4642-E7EEC4A06506}"/>
+                <a16:creationId xmlns:a16="http://schemas.microsoft.com/office/drawing/2014/main" id="{93CAA37F-4AFB-D2FC-B941-9960C654ACB2}"/>
               </a:ext>
             </a:extLst>
           </p:cNvPr>
@@ -1115,7 +1115,7 @@
           <p:cNvPr id="4" name="日期占位符 3">
             <a:extLst>
               <a:ext uri="{FF2B5EF4-FFF2-40B4-BE49-F238E27FC236}">
-                <a16:creationId xmlns:a16="http://schemas.microsoft.com/office/drawing/2014/main" id="{7F46B068-F790-AA71-F1EF-9E4BABBAA80C}"/>
+                <a16:creationId xmlns:a16="http://schemas.microsoft.com/office/drawing/2014/main" id="{9AD1687C-4424-4D37-08B2-7FE25083A5D7}"/>
               </a:ext>
             </a:extLst>
           </p:cNvPr>
@@ -1131,7 +1131,7 @@
           <a:bodyPr/>
           <a:lstStyle/>
           <a:p>
-            <a:fld id="{C59BFB4C-3FD2-4DD7-9279-5E7990859532}" type="datetimeFigureOut">
+            <a:fld id="{BB3A9DB8-2F03-450B-8C95-DFD842FA8941}" type="datetimeFigureOut">
               <a:rPr lang="zh-CN" altLang="en-US" smtClean="0"/>
               <a:t>2024/3/10</a:t>
             </a:fld>
@@ -1144,7 +1144,7 @@
           <p:cNvPr id="5" name="页脚占位符 4">
             <a:extLst>
               <a:ext uri="{FF2B5EF4-FFF2-40B4-BE49-F238E27FC236}">
-                <a16:creationId xmlns:a16="http://schemas.microsoft.com/office/drawing/2014/main" id="{9248DF2A-5CE9-911C-8387-F090B10A2EF4}"/>
+                <a16:creationId xmlns:a16="http://schemas.microsoft.com/office/drawing/2014/main" id="{23FAE94F-CB9D-0C5F-16C4-213953212624}"/>
               </a:ext>
             </a:extLst>
           </p:cNvPr>
@@ -1169,7 +1169,7 @@
           <p:cNvPr id="6" name="灯片编号占位符 5">
             <a:extLst>
               <a:ext uri="{FF2B5EF4-FFF2-40B4-BE49-F238E27FC236}">
-                <a16:creationId xmlns:a16="http://schemas.microsoft.com/office/drawing/2014/main" id="{0DF1C171-AB73-DA1A-02F9-44377703C4AA}"/>
+                <a16:creationId xmlns:a16="http://schemas.microsoft.com/office/drawing/2014/main" id="{2F6443E6-3048-D89C-720D-02FD370169E5}"/>
               </a:ext>
             </a:extLst>
           </p:cNvPr>
@@ -1185,7 +1185,7 @@
           <a:bodyPr/>
           <a:lstStyle/>
           <a:p>
-            <a:fld id="{357E6F6D-EFCB-40AE-A4EC-845594BEA49A}" type="slidenum">
+            <a:fld id="{716E598E-27C4-435D-A21C-375AEA1606EC}" type="slidenum">
               <a:rPr lang="zh-CN" altLang="en-US" smtClean="0"/>
               <a:t>‹#›</a:t>
             </a:fld>
@@ -1196,7 +1196,7 @@
     </p:spTree>
     <p:extLst>
       <p:ext uri="{BB962C8B-B14F-4D97-AF65-F5344CB8AC3E}">
-        <p14:creationId xmlns:p14="http://schemas.microsoft.com/office/powerpoint/2010/main" val="3867270919"/>
+        <p14:creationId xmlns:p14="http://schemas.microsoft.com/office/powerpoint/2010/main" val="1856208743"/>
       </p:ext>
     </p:extLst>
   </p:cSld>
@@ -1228,7 +1228,7 @@
           <p:cNvPr id="2" name="标题 1">
             <a:extLst>
               <a:ext uri="{FF2B5EF4-FFF2-40B4-BE49-F238E27FC236}">
-                <a16:creationId xmlns:a16="http://schemas.microsoft.com/office/drawing/2014/main" id="{263106E4-F73A-463A-132C-730C0C498CC3}"/>
+                <a16:creationId xmlns:a16="http://schemas.microsoft.com/office/drawing/2014/main" id="{48665FD0-55B1-BB22-D6B0-68D91C542EDB}"/>
               </a:ext>
             </a:extLst>
           </p:cNvPr>
@@ -1256,7 +1256,7 @@
           <p:cNvPr id="3" name="内容占位符 2">
             <a:extLst>
               <a:ext uri="{FF2B5EF4-FFF2-40B4-BE49-F238E27FC236}">
-                <a16:creationId xmlns:a16="http://schemas.microsoft.com/office/drawing/2014/main" id="{F4E1CCAD-3FB7-2ADA-7F43-06CBD5FF3038}"/>
+                <a16:creationId xmlns:a16="http://schemas.microsoft.com/office/drawing/2014/main" id="{85AE0E28-9098-C106-AC86-5D4D4643879C}"/>
               </a:ext>
             </a:extLst>
           </p:cNvPr>
@@ -1318,7 +1318,7 @@
           <p:cNvPr id="4" name="内容占位符 3">
             <a:extLst>
               <a:ext uri="{FF2B5EF4-FFF2-40B4-BE49-F238E27FC236}">
-                <a16:creationId xmlns:a16="http://schemas.microsoft.com/office/drawing/2014/main" id="{47FD86A2-21B8-A3B3-6B38-BD343F0186E7}"/>
+                <a16:creationId xmlns:a16="http://schemas.microsoft.com/office/drawing/2014/main" id="{9C394943-484C-135F-5712-232927956863}"/>
               </a:ext>
             </a:extLst>
           </p:cNvPr>
@@ -1380,7 +1380,7 @@
           <p:cNvPr id="5" name="日期占位符 4">
             <a:extLst>
               <a:ext uri="{FF2B5EF4-FFF2-40B4-BE49-F238E27FC236}">
-                <a16:creationId xmlns:a16="http://schemas.microsoft.com/office/drawing/2014/main" id="{77199A9B-2EC2-022A-0C03-99B9EDE20BDE}"/>
+                <a16:creationId xmlns:a16="http://schemas.microsoft.com/office/drawing/2014/main" id="{E38BBB83-A01C-C8D9-8C5A-DE97B88B7BEE}"/>
               </a:ext>
             </a:extLst>
           </p:cNvPr>
@@ -1396,7 +1396,7 @@
           <a:bodyPr/>
           <a:lstStyle/>
           <a:p>
-            <a:fld id="{C59BFB4C-3FD2-4DD7-9279-5E7990859532}" type="datetimeFigureOut">
+            <a:fld id="{BB3A9DB8-2F03-450B-8C95-DFD842FA8941}" type="datetimeFigureOut">
               <a:rPr lang="zh-CN" altLang="en-US" smtClean="0"/>
               <a:t>2024/3/10</a:t>
             </a:fld>
@@ -1409,7 +1409,7 @@
           <p:cNvPr id="6" name="页脚占位符 5">
             <a:extLst>
               <a:ext uri="{FF2B5EF4-FFF2-40B4-BE49-F238E27FC236}">
-                <a16:creationId xmlns:a16="http://schemas.microsoft.com/office/drawing/2014/main" id="{EBC04D5F-47C6-26F1-5A76-347768817C51}"/>
+                <a16:creationId xmlns:a16="http://schemas.microsoft.com/office/drawing/2014/main" id="{89F6A2F3-B9FD-DAE0-2A14-69E05767B9DB}"/>
               </a:ext>
             </a:extLst>
           </p:cNvPr>
@@ -1434,7 +1434,7 @@
           <p:cNvPr id="7" name="灯片编号占位符 6">
             <a:extLst>
               <a:ext uri="{FF2B5EF4-FFF2-40B4-BE49-F238E27FC236}">
-                <a16:creationId xmlns:a16="http://schemas.microsoft.com/office/drawing/2014/main" id="{A5C22C70-CE08-D657-62A5-73294DA75AF8}"/>
+                <a16:creationId xmlns:a16="http://schemas.microsoft.com/office/drawing/2014/main" id="{0276CF55-6CE6-AA08-3BE6-31BAB1DFA5F5}"/>
               </a:ext>
             </a:extLst>
           </p:cNvPr>
@@ -1450,7 +1450,7 @@
           <a:bodyPr/>
           <a:lstStyle/>
           <a:p>
-            <a:fld id="{357E6F6D-EFCB-40AE-A4EC-845594BEA49A}" type="slidenum">
+            <a:fld id="{716E598E-27C4-435D-A21C-375AEA1606EC}" type="slidenum">
               <a:rPr lang="zh-CN" altLang="en-US" smtClean="0"/>
               <a:t>‹#›</a:t>
             </a:fld>
@@ -1461,7 +1461,7 @@
     </p:spTree>
     <p:extLst>
       <p:ext uri="{BB962C8B-B14F-4D97-AF65-F5344CB8AC3E}">
-        <p14:creationId xmlns:p14="http://schemas.microsoft.com/office/powerpoint/2010/main" val="2585696066"/>
+        <p14:creationId xmlns:p14="http://schemas.microsoft.com/office/powerpoint/2010/main" val="3331774779"/>
       </p:ext>
     </p:extLst>
   </p:cSld>
@@ -1493,7 +1493,7 @@
           <p:cNvPr id="2" name="标题 1">
             <a:extLst>
               <a:ext uri="{FF2B5EF4-FFF2-40B4-BE49-F238E27FC236}">
-                <a16:creationId xmlns:a16="http://schemas.microsoft.com/office/drawing/2014/main" id="{880B3C29-386E-A94E-B93B-19472CB596A9}"/>
+                <a16:creationId xmlns:a16="http://schemas.microsoft.com/office/drawing/2014/main" id="{9D1C63A4-8732-EA25-E199-DCE47AE82313}"/>
               </a:ext>
             </a:extLst>
           </p:cNvPr>
@@ -1526,7 +1526,7 @@
           <p:cNvPr id="3" name="文本占位符 2">
             <a:extLst>
               <a:ext uri="{FF2B5EF4-FFF2-40B4-BE49-F238E27FC236}">
-                <a16:creationId xmlns:a16="http://schemas.microsoft.com/office/drawing/2014/main" id="{D300FA2D-F786-D2BA-5A13-24D6F069E3ED}"/>
+                <a16:creationId xmlns:a16="http://schemas.microsoft.com/office/drawing/2014/main" id="{57AB5E4F-5D16-4E1D-2C11-F39BA9425ACC}"/>
               </a:ext>
             </a:extLst>
           </p:cNvPr>
@@ -1597,7 +1597,7 @@
           <p:cNvPr id="4" name="内容占位符 3">
             <a:extLst>
               <a:ext uri="{FF2B5EF4-FFF2-40B4-BE49-F238E27FC236}">
-                <a16:creationId xmlns:a16="http://schemas.microsoft.com/office/drawing/2014/main" id="{1048A239-0238-4750-F3C4-C5EAAD5F2F22}"/>
+                <a16:creationId xmlns:a16="http://schemas.microsoft.com/office/drawing/2014/main" id="{786B5FD2-13BC-8E04-0D71-2F744C17DFA2}"/>
               </a:ext>
             </a:extLst>
           </p:cNvPr>
@@ -1659,7 +1659,7 @@
           <p:cNvPr id="5" name="文本占位符 4">
             <a:extLst>
               <a:ext uri="{FF2B5EF4-FFF2-40B4-BE49-F238E27FC236}">
-                <a16:creationId xmlns:a16="http://schemas.microsoft.com/office/drawing/2014/main" id="{A8550F3D-3555-FFA4-5BCF-E186006FCD99}"/>
+                <a16:creationId xmlns:a16="http://schemas.microsoft.com/office/drawing/2014/main" id="{B3F1C54C-11ED-5E2A-5260-A58AD25810D8}"/>
               </a:ext>
             </a:extLst>
           </p:cNvPr>
@@ -1730,7 +1730,7 @@
           <p:cNvPr id="6" name="内容占位符 5">
             <a:extLst>
               <a:ext uri="{FF2B5EF4-FFF2-40B4-BE49-F238E27FC236}">
-                <a16:creationId xmlns:a16="http://schemas.microsoft.com/office/drawing/2014/main" id="{B4B15F33-CCFF-7C5D-E17C-2F19C1E49953}"/>
+                <a16:creationId xmlns:a16="http://schemas.microsoft.com/office/drawing/2014/main" id="{61404F11-549E-02C4-64B9-F16AEE1F32DE}"/>
               </a:ext>
             </a:extLst>
           </p:cNvPr>
@@ -1792,7 +1792,7 @@
           <p:cNvPr id="7" name="日期占位符 6">
             <a:extLst>
               <a:ext uri="{FF2B5EF4-FFF2-40B4-BE49-F238E27FC236}">
-                <a16:creationId xmlns:a16="http://schemas.microsoft.com/office/drawing/2014/main" id="{81964BE2-2924-F1C6-2CA2-E88E7DBF237A}"/>
+                <a16:creationId xmlns:a16="http://schemas.microsoft.com/office/drawing/2014/main" id="{1CBE3C15-F8C8-D447-9C0D-21C50F80090D}"/>
               </a:ext>
             </a:extLst>
           </p:cNvPr>
@@ -1808,7 +1808,7 @@
           <a:bodyPr/>
           <a:lstStyle/>
           <a:p>
-            <a:fld id="{C59BFB4C-3FD2-4DD7-9279-5E7990859532}" type="datetimeFigureOut">
+            <a:fld id="{BB3A9DB8-2F03-450B-8C95-DFD842FA8941}" type="datetimeFigureOut">
               <a:rPr lang="zh-CN" altLang="en-US" smtClean="0"/>
               <a:t>2024/3/10</a:t>
             </a:fld>
@@ -1821,7 +1821,7 @@
           <p:cNvPr id="8" name="页脚占位符 7">
             <a:extLst>
               <a:ext uri="{FF2B5EF4-FFF2-40B4-BE49-F238E27FC236}">
-                <a16:creationId xmlns:a16="http://schemas.microsoft.com/office/drawing/2014/main" id="{676DECAA-5A30-8009-3ED4-B08D386CE0FC}"/>
+                <a16:creationId xmlns:a16="http://schemas.microsoft.com/office/drawing/2014/main" id="{239A0010-062C-EC35-9E09-C1FD21397DAB}"/>
               </a:ext>
             </a:extLst>
           </p:cNvPr>
@@ -1846,7 +1846,7 @@
           <p:cNvPr id="9" name="灯片编号占位符 8">
             <a:extLst>
               <a:ext uri="{FF2B5EF4-FFF2-40B4-BE49-F238E27FC236}">
-                <a16:creationId xmlns:a16="http://schemas.microsoft.com/office/drawing/2014/main" id="{BFE8103D-0031-11EE-B510-CA13A9D6FFC2}"/>
+                <a16:creationId xmlns:a16="http://schemas.microsoft.com/office/drawing/2014/main" id="{CBA713DD-C113-A3B3-4F64-C96F9319B42F}"/>
               </a:ext>
             </a:extLst>
           </p:cNvPr>
@@ -1862,7 +1862,7 @@
           <a:bodyPr/>
           <a:lstStyle/>
           <a:p>
-            <a:fld id="{357E6F6D-EFCB-40AE-A4EC-845594BEA49A}" type="slidenum">
+            <a:fld id="{716E598E-27C4-435D-A21C-375AEA1606EC}" type="slidenum">
               <a:rPr lang="zh-CN" altLang="en-US" smtClean="0"/>
               <a:t>‹#›</a:t>
             </a:fld>
@@ -1873,7 +1873,7 @@
     </p:spTree>
     <p:extLst>
       <p:ext uri="{BB962C8B-B14F-4D97-AF65-F5344CB8AC3E}">
-        <p14:creationId xmlns:p14="http://schemas.microsoft.com/office/powerpoint/2010/main" val="2545652982"/>
+        <p14:creationId xmlns:p14="http://schemas.microsoft.com/office/powerpoint/2010/main" val="4271821621"/>
       </p:ext>
     </p:extLst>
   </p:cSld>
@@ -1905,7 +1905,7 @@
           <p:cNvPr id="2" name="标题 1">
             <a:extLst>
               <a:ext uri="{FF2B5EF4-FFF2-40B4-BE49-F238E27FC236}">
-                <a16:creationId xmlns:a16="http://schemas.microsoft.com/office/drawing/2014/main" id="{B191F315-4F6D-43B7-B40F-DB18E7008F96}"/>
+                <a16:creationId xmlns:a16="http://schemas.microsoft.com/office/drawing/2014/main" id="{44611A84-0309-A9FB-B79C-DD664B35A750}"/>
               </a:ext>
             </a:extLst>
           </p:cNvPr>
@@ -1933,7 +1933,7 @@
           <p:cNvPr id="3" name="日期占位符 2">
             <a:extLst>
               <a:ext uri="{FF2B5EF4-FFF2-40B4-BE49-F238E27FC236}">
-                <a16:creationId xmlns:a16="http://schemas.microsoft.com/office/drawing/2014/main" id="{D573A392-7766-2149-176F-05D33712AE67}"/>
+                <a16:creationId xmlns:a16="http://schemas.microsoft.com/office/drawing/2014/main" id="{06098B44-EAF9-54C0-986F-C4D359BBDF54}"/>
               </a:ext>
             </a:extLst>
           </p:cNvPr>
@@ -1949,7 +1949,7 @@
           <a:bodyPr/>
           <a:lstStyle/>
           <a:p>
-            <a:fld id="{C59BFB4C-3FD2-4DD7-9279-5E7990859532}" type="datetimeFigureOut">
+            <a:fld id="{BB3A9DB8-2F03-450B-8C95-DFD842FA8941}" type="datetimeFigureOut">
               <a:rPr lang="zh-CN" altLang="en-US" smtClean="0"/>
               <a:t>2024/3/10</a:t>
             </a:fld>
@@ -1962,7 +1962,7 @@
           <p:cNvPr id="4" name="页脚占位符 3">
             <a:extLst>
               <a:ext uri="{FF2B5EF4-FFF2-40B4-BE49-F238E27FC236}">
-                <a16:creationId xmlns:a16="http://schemas.microsoft.com/office/drawing/2014/main" id="{B5BCEEEB-06FF-D65C-EB22-66030E99D689}"/>
+                <a16:creationId xmlns:a16="http://schemas.microsoft.com/office/drawing/2014/main" id="{E1DD3B3B-0676-C3AE-A4CD-DD42DD391E2F}"/>
               </a:ext>
             </a:extLst>
           </p:cNvPr>
@@ -1987,7 +1987,7 @@
           <p:cNvPr id="5" name="灯片编号占位符 4">
             <a:extLst>
               <a:ext uri="{FF2B5EF4-FFF2-40B4-BE49-F238E27FC236}">
-                <a16:creationId xmlns:a16="http://schemas.microsoft.com/office/drawing/2014/main" id="{4C192EF3-2BD0-AF37-00F6-64D03E5B4210}"/>
+                <a16:creationId xmlns:a16="http://schemas.microsoft.com/office/drawing/2014/main" id="{E93EBA6C-F0F5-064F-A510-0E2FCD6720A6}"/>
               </a:ext>
             </a:extLst>
           </p:cNvPr>
@@ -2003,7 +2003,7 @@
           <a:bodyPr/>
           <a:lstStyle/>
           <a:p>
-            <a:fld id="{357E6F6D-EFCB-40AE-A4EC-845594BEA49A}" type="slidenum">
+            <a:fld id="{716E598E-27C4-435D-A21C-375AEA1606EC}" type="slidenum">
               <a:rPr lang="zh-CN" altLang="en-US" smtClean="0"/>
               <a:t>‹#›</a:t>
             </a:fld>
@@ -2014,7 +2014,7 @@
     </p:spTree>
     <p:extLst>
       <p:ext uri="{BB962C8B-B14F-4D97-AF65-F5344CB8AC3E}">
-        <p14:creationId xmlns:p14="http://schemas.microsoft.com/office/powerpoint/2010/main" val="1320651296"/>
+        <p14:creationId xmlns:p14="http://schemas.microsoft.com/office/powerpoint/2010/main" val="2688074526"/>
       </p:ext>
     </p:extLst>
   </p:cSld>
@@ -2046,7 +2046,7 @@
           <p:cNvPr id="2" name="日期占位符 1">
             <a:extLst>
               <a:ext uri="{FF2B5EF4-FFF2-40B4-BE49-F238E27FC236}">
-                <a16:creationId xmlns:a16="http://schemas.microsoft.com/office/drawing/2014/main" id="{0A5D671D-796D-FC12-2ADC-3E02D025AE8C}"/>
+                <a16:creationId xmlns:a16="http://schemas.microsoft.com/office/drawing/2014/main" id="{4383D143-5898-2E90-3B7A-1CC9AD6020E7}"/>
               </a:ext>
             </a:extLst>
           </p:cNvPr>
@@ -2062,7 +2062,7 @@
           <a:bodyPr/>
           <a:lstStyle/>
           <a:p>
-            <a:fld id="{C59BFB4C-3FD2-4DD7-9279-5E7990859532}" type="datetimeFigureOut">
+            <a:fld id="{BB3A9DB8-2F03-450B-8C95-DFD842FA8941}" type="datetimeFigureOut">
               <a:rPr lang="zh-CN" altLang="en-US" smtClean="0"/>
               <a:t>2024/3/10</a:t>
             </a:fld>
@@ -2075,7 +2075,7 @@
           <p:cNvPr id="3" name="页脚占位符 2">
             <a:extLst>
               <a:ext uri="{FF2B5EF4-FFF2-40B4-BE49-F238E27FC236}">
-                <a16:creationId xmlns:a16="http://schemas.microsoft.com/office/drawing/2014/main" id="{4E70E9A8-555F-2EC2-8271-F9F39C67349B}"/>
+                <a16:creationId xmlns:a16="http://schemas.microsoft.com/office/drawing/2014/main" id="{776FB9D4-E016-4DFE-DE4C-F891D39B8EC1}"/>
               </a:ext>
             </a:extLst>
           </p:cNvPr>
@@ -2100,7 +2100,7 @@
           <p:cNvPr id="4" name="灯片编号占位符 3">
             <a:extLst>
               <a:ext uri="{FF2B5EF4-FFF2-40B4-BE49-F238E27FC236}">
-                <a16:creationId xmlns:a16="http://schemas.microsoft.com/office/drawing/2014/main" id="{0BCD1487-1AA8-8E6F-41EF-3234EDD21B4D}"/>
+                <a16:creationId xmlns:a16="http://schemas.microsoft.com/office/drawing/2014/main" id="{ABC2555F-9078-D52F-FC22-53D7B1575A73}"/>
               </a:ext>
             </a:extLst>
           </p:cNvPr>
@@ -2116,7 +2116,7 @@
           <a:bodyPr/>
           <a:lstStyle/>
           <a:p>
-            <a:fld id="{357E6F6D-EFCB-40AE-A4EC-845594BEA49A}" type="slidenum">
+            <a:fld id="{716E598E-27C4-435D-A21C-375AEA1606EC}" type="slidenum">
               <a:rPr lang="zh-CN" altLang="en-US" smtClean="0"/>
               <a:t>‹#›</a:t>
             </a:fld>
@@ -2127,7 +2127,7 @@
     </p:spTree>
     <p:extLst>
       <p:ext uri="{BB962C8B-B14F-4D97-AF65-F5344CB8AC3E}">
-        <p14:creationId xmlns:p14="http://schemas.microsoft.com/office/powerpoint/2010/main" val="978924769"/>
+        <p14:creationId xmlns:p14="http://schemas.microsoft.com/office/powerpoint/2010/main" val="1664290479"/>
       </p:ext>
     </p:extLst>
   </p:cSld>
@@ -2159,7 +2159,7 @@
           <p:cNvPr id="2" name="标题 1">
             <a:extLst>
               <a:ext uri="{FF2B5EF4-FFF2-40B4-BE49-F238E27FC236}">
-                <a16:creationId xmlns:a16="http://schemas.microsoft.com/office/drawing/2014/main" id="{D2232AA8-B997-8EDB-38A4-AB819FF9D347}"/>
+                <a16:creationId xmlns:a16="http://schemas.microsoft.com/office/drawing/2014/main" id="{4FA712CD-14F3-41FD-BCAC-7BF204DB02FE}"/>
               </a:ext>
             </a:extLst>
           </p:cNvPr>
@@ -2196,7 +2196,7 @@
           <p:cNvPr id="3" name="内容占位符 2">
             <a:extLst>
               <a:ext uri="{FF2B5EF4-FFF2-40B4-BE49-F238E27FC236}">
-                <a16:creationId xmlns:a16="http://schemas.microsoft.com/office/drawing/2014/main" id="{1CEB81A3-D2B7-37CE-610B-3C3370F9E22F}"/>
+                <a16:creationId xmlns:a16="http://schemas.microsoft.com/office/drawing/2014/main" id="{93DDC1FB-6B0E-0C36-BF06-1F39D0F3BF3F}"/>
               </a:ext>
             </a:extLst>
           </p:cNvPr>
@@ -2286,7 +2286,7 @@
           <p:cNvPr id="4" name="文本占位符 3">
             <a:extLst>
               <a:ext uri="{FF2B5EF4-FFF2-40B4-BE49-F238E27FC236}">
-                <a16:creationId xmlns:a16="http://schemas.microsoft.com/office/drawing/2014/main" id="{10047A9B-E74A-AD90-70C9-9A0FDA8D7985}"/>
+                <a16:creationId xmlns:a16="http://schemas.microsoft.com/office/drawing/2014/main" id="{35C785B2-AA2A-F4CC-72E8-58B27866D1BC}"/>
               </a:ext>
             </a:extLst>
           </p:cNvPr>
@@ -2357,7 +2357,7 @@
           <p:cNvPr id="5" name="日期占位符 4">
             <a:extLst>
               <a:ext uri="{FF2B5EF4-FFF2-40B4-BE49-F238E27FC236}">
-                <a16:creationId xmlns:a16="http://schemas.microsoft.com/office/drawing/2014/main" id="{ADE7DB17-BDAA-5327-FAE7-041B2A83F3F0}"/>
+                <a16:creationId xmlns:a16="http://schemas.microsoft.com/office/drawing/2014/main" id="{8B291B11-AABA-C762-B3B2-6E10FFF1CD29}"/>
               </a:ext>
             </a:extLst>
           </p:cNvPr>
@@ -2373,7 +2373,7 @@
           <a:bodyPr/>
           <a:lstStyle/>
           <a:p>
-            <a:fld id="{C59BFB4C-3FD2-4DD7-9279-5E7990859532}" type="datetimeFigureOut">
+            <a:fld id="{BB3A9DB8-2F03-450B-8C95-DFD842FA8941}" type="datetimeFigureOut">
               <a:rPr lang="zh-CN" altLang="en-US" smtClean="0"/>
               <a:t>2024/3/10</a:t>
             </a:fld>
@@ -2386,7 +2386,7 @@
           <p:cNvPr id="6" name="页脚占位符 5">
             <a:extLst>
               <a:ext uri="{FF2B5EF4-FFF2-40B4-BE49-F238E27FC236}">
-                <a16:creationId xmlns:a16="http://schemas.microsoft.com/office/drawing/2014/main" id="{A9D1B423-D216-21CF-0C48-EFB86E73B76C}"/>
+                <a16:creationId xmlns:a16="http://schemas.microsoft.com/office/drawing/2014/main" id="{59DA78AF-B37D-63E7-C320-E50A44489328}"/>
               </a:ext>
             </a:extLst>
           </p:cNvPr>
@@ -2411,7 +2411,7 @@
           <p:cNvPr id="7" name="灯片编号占位符 6">
             <a:extLst>
               <a:ext uri="{FF2B5EF4-FFF2-40B4-BE49-F238E27FC236}">
-                <a16:creationId xmlns:a16="http://schemas.microsoft.com/office/drawing/2014/main" id="{453ABDEE-E34F-9257-EBAC-696A8B3AECA9}"/>
+                <a16:creationId xmlns:a16="http://schemas.microsoft.com/office/drawing/2014/main" id="{8390DCC1-EE27-F4DF-AF64-6371F6768E63}"/>
               </a:ext>
             </a:extLst>
           </p:cNvPr>
@@ -2427,7 +2427,7 @@
           <a:bodyPr/>
           <a:lstStyle/>
           <a:p>
-            <a:fld id="{357E6F6D-EFCB-40AE-A4EC-845594BEA49A}" type="slidenum">
+            <a:fld id="{716E598E-27C4-435D-A21C-375AEA1606EC}" type="slidenum">
               <a:rPr lang="zh-CN" altLang="en-US" smtClean="0"/>
               <a:t>‹#›</a:t>
             </a:fld>
@@ -2438,7 +2438,7 @@
     </p:spTree>
     <p:extLst>
       <p:ext uri="{BB962C8B-B14F-4D97-AF65-F5344CB8AC3E}">
-        <p14:creationId xmlns:p14="http://schemas.microsoft.com/office/powerpoint/2010/main" val="1053012562"/>
+        <p14:creationId xmlns:p14="http://schemas.microsoft.com/office/powerpoint/2010/main" val="3408713206"/>
       </p:ext>
     </p:extLst>
   </p:cSld>
@@ -2470,7 +2470,7 @@
           <p:cNvPr id="2" name="标题 1">
             <a:extLst>
               <a:ext uri="{FF2B5EF4-FFF2-40B4-BE49-F238E27FC236}">
-                <a16:creationId xmlns:a16="http://schemas.microsoft.com/office/drawing/2014/main" id="{8CA002C5-A436-6806-3383-5D0AEC825A33}"/>
+                <a16:creationId xmlns:a16="http://schemas.microsoft.com/office/drawing/2014/main" id="{8F8BA681-1838-E505-845E-D76DB2AFA47A}"/>
               </a:ext>
             </a:extLst>
           </p:cNvPr>
@@ -2507,7 +2507,7 @@
           <p:cNvPr id="3" name="图片占位符 2">
             <a:extLst>
               <a:ext uri="{FF2B5EF4-FFF2-40B4-BE49-F238E27FC236}">
-                <a16:creationId xmlns:a16="http://schemas.microsoft.com/office/drawing/2014/main" id="{C39910D9-89F4-F88F-95CA-89B9137E51F1}"/>
+                <a16:creationId xmlns:a16="http://schemas.microsoft.com/office/drawing/2014/main" id="{D89FF69A-458C-29D9-E8DC-A9D2A4E64ABD}"/>
               </a:ext>
             </a:extLst>
           </p:cNvPr>
@@ -2574,7 +2574,7 @@
           <p:cNvPr id="4" name="文本占位符 3">
             <a:extLst>
               <a:ext uri="{FF2B5EF4-FFF2-40B4-BE49-F238E27FC236}">
-                <a16:creationId xmlns:a16="http://schemas.microsoft.com/office/drawing/2014/main" id="{689000C4-15CF-001E-EDAA-D06EC0C3AD38}"/>
+                <a16:creationId xmlns:a16="http://schemas.microsoft.com/office/drawing/2014/main" id="{64AF0C68-A019-7EB0-B896-194BF3DAC971}"/>
               </a:ext>
             </a:extLst>
           </p:cNvPr>
@@ -2645,7 +2645,7 @@
           <p:cNvPr id="5" name="日期占位符 4">
             <a:extLst>
               <a:ext uri="{FF2B5EF4-FFF2-40B4-BE49-F238E27FC236}">
-                <a16:creationId xmlns:a16="http://schemas.microsoft.com/office/drawing/2014/main" id="{765A4EC3-2472-5640-7E16-20CE668F7BA4}"/>
+                <a16:creationId xmlns:a16="http://schemas.microsoft.com/office/drawing/2014/main" id="{ABFE6B3D-F74F-65EF-11A0-E6CD7463C563}"/>
               </a:ext>
             </a:extLst>
           </p:cNvPr>
@@ -2661,7 +2661,7 @@
           <a:bodyPr/>
           <a:lstStyle/>
           <a:p>
-            <a:fld id="{C59BFB4C-3FD2-4DD7-9279-5E7990859532}" type="datetimeFigureOut">
+            <a:fld id="{BB3A9DB8-2F03-450B-8C95-DFD842FA8941}" type="datetimeFigureOut">
               <a:rPr lang="zh-CN" altLang="en-US" smtClean="0"/>
               <a:t>2024/3/10</a:t>
             </a:fld>
@@ -2674,7 +2674,7 @@
           <p:cNvPr id="6" name="页脚占位符 5">
             <a:extLst>
               <a:ext uri="{FF2B5EF4-FFF2-40B4-BE49-F238E27FC236}">
-                <a16:creationId xmlns:a16="http://schemas.microsoft.com/office/drawing/2014/main" id="{7D24AE51-C2E7-8438-81CD-5BCED6D6D76E}"/>
+                <a16:creationId xmlns:a16="http://schemas.microsoft.com/office/drawing/2014/main" id="{1E409038-790C-ED51-0B98-1CEF1CC197BC}"/>
               </a:ext>
             </a:extLst>
           </p:cNvPr>
@@ -2699,7 +2699,7 @@
           <p:cNvPr id="7" name="灯片编号占位符 6">
             <a:extLst>
               <a:ext uri="{FF2B5EF4-FFF2-40B4-BE49-F238E27FC236}">
-                <a16:creationId xmlns:a16="http://schemas.microsoft.com/office/drawing/2014/main" id="{E3046256-E17C-413A-57AA-37A8BF712B1B}"/>
+                <a16:creationId xmlns:a16="http://schemas.microsoft.com/office/drawing/2014/main" id="{DDB91FAD-1500-1901-056B-985F332DF8BB}"/>
               </a:ext>
             </a:extLst>
           </p:cNvPr>
@@ -2715,7 +2715,7 @@
           <a:bodyPr/>
           <a:lstStyle/>
           <a:p>
-            <a:fld id="{357E6F6D-EFCB-40AE-A4EC-845594BEA49A}" type="slidenum">
+            <a:fld id="{716E598E-27C4-435D-A21C-375AEA1606EC}" type="slidenum">
               <a:rPr lang="zh-CN" altLang="en-US" smtClean="0"/>
               <a:t>‹#›</a:t>
             </a:fld>
@@ -2726,7 +2726,7 @@
     </p:spTree>
     <p:extLst>
       <p:ext uri="{BB962C8B-B14F-4D97-AF65-F5344CB8AC3E}">
-        <p14:creationId xmlns:p14="http://schemas.microsoft.com/office/powerpoint/2010/main" val="3875897424"/>
+        <p14:creationId xmlns:p14="http://schemas.microsoft.com/office/powerpoint/2010/main" val="2981938699"/>
       </p:ext>
     </p:extLst>
   </p:cSld>
@@ -2763,7 +2763,7 @@
           <p:cNvPr id="2" name="标题占位符 1">
             <a:extLst>
               <a:ext uri="{FF2B5EF4-FFF2-40B4-BE49-F238E27FC236}">
-                <a16:creationId xmlns:a16="http://schemas.microsoft.com/office/drawing/2014/main" id="{89114CC9-1EB5-8B2B-B14C-87CAA51DA947}"/>
+                <a16:creationId xmlns:a16="http://schemas.microsoft.com/office/drawing/2014/main" id="{ABFC42EE-CDAB-97BE-BEEB-30F429ED2440}"/>
               </a:ext>
             </a:extLst>
           </p:cNvPr>
@@ -2801,7 +2801,7 @@
           <p:cNvPr id="3" name="文本占位符 2">
             <a:extLst>
               <a:ext uri="{FF2B5EF4-FFF2-40B4-BE49-F238E27FC236}">
-                <a16:creationId xmlns:a16="http://schemas.microsoft.com/office/drawing/2014/main" id="{3962DDA6-68DA-751A-0308-4ECCC426BC9A}"/>
+                <a16:creationId xmlns:a16="http://schemas.microsoft.com/office/drawing/2014/main" id="{79B2CA23-8879-19C4-62DE-A91A73CBC6EE}"/>
               </a:ext>
             </a:extLst>
           </p:cNvPr>
@@ -2868,7 +2868,7 @@
           <p:cNvPr id="4" name="日期占位符 3">
             <a:extLst>
               <a:ext uri="{FF2B5EF4-FFF2-40B4-BE49-F238E27FC236}">
-                <a16:creationId xmlns:a16="http://schemas.microsoft.com/office/drawing/2014/main" id="{8BDCB58B-A22B-344E-AB61-90BFFB3D9136}"/>
+                <a16:creationId xmlns:a16="http://schemas.microsoft.com/office/drawing/2014/main" id="{18A46977-C07F-F328-9758-859D02DE6AA6}"/>
               </a:ext>
             </a:extLst>
           </p:cNvPr>
@@ -2902,7 +2902,7 @@
             </a:lvl1pPr>
           </a:lstStyle>
           <a:p>
-            <a:fld id="{C59BFB4C-3FD2-4DD7-9279-5E7990859532}" type="datetimeFigureOut">
+            <a:fld id="{BB3A9DB8-2F03-450B-8C95-DFD842FA8941}" type="datetimeFigureOut">
               <a:rPr lang="zh-CN" altLang="en-US" smtClean="0"/>
               <a:t>2024/3/10</a:t>
             </a:fld>
@@ -2915,7 +2915,7 @@
           <p:cNvPr id="5" name="页脚占位符 4">
             <a:extLst>
               <a:ext uri="{FF2B5EF4-FFF2-40B4-BE49-F238E27FC236}">
-                <a16:creationId xmlns:a16="http://schemas.microsoft.com/office/drawing/2014/main" id="{48735355-23C5-D1F5-2415-76897AB5A908}"/>
+                <a16:creationId xmlns:a16="http://schemas.microsoft.com/office/drawing/2014/main" id="{85A535AA-8F9A-2AAC-5003-1B48102A0A8E}"/>
               </a:ext>
             </a:extLst>
           </p:cNvPr>
@@ -2958,7 +2958,7 @@
           <p:cNvPr id="6" name="灯片编号占位符 5">
             <a:extLst>
               <a:ext uri="{FF2B5EF4-FFF2-40B4-BE49-F238E27FC236}">
-                <a16:creationId xmlns:a16="http://schemas.microsoft.com/office/drawing/2014/main" id="{1B8E5F18-BBC7-7CD6-B496-EC60AAD2A630}"/>
+                <a16:creationId xmlns:a16="http://schemas.microsoft.com/office/drawing/2014/main" id="{8244222B-CBD7-13B1-0DD4-1A0B71E2F87F}"/>
               </a:ext>
             </a:extLst>
           </p:cNvPr>
@@ -2992,7 +2992,7 @@
             </a:lvl1pPr>
           </a:lstStyle>
           <a:p>
-            <a:fld id="{357E6F6D-EFCB-40AE-A4EC-845594BEA49A}" type="slidenum">
+            <a:fld id="{716E598E-27C4-435D-A21C-375AEA1606EC}" type="slidenum">
               <a:rPr lang="zh-CN" altLang="en-US" smtClean="0"/>
               <a:t>‹#›</a:t>
             </a:fld>
@@ -3003,7 +3003,7 @@
     </p:spTree>
     <p:extLst>
       <p:ext uri="{BB962C8B-B14F-4D97-AF65-F5344CB8AC3E}">
-        <p14:creationId xmlns:p14="http://schemas.microsoft.com/office/powerpoint/2010/main" val="3472053861"/>
+        <p14:creationId xmlns:p14="http://schemas.microsoft.com/office/powerpoint/2010/main" val="4146048433"/>
       </p:ext>
     </p:extLst>
   </p:cSld>
